--- a/doc/深度学习库笔记.pptx
+++ b/doc/深度学习库笔记.pptx
@@ -5,7 +5,7 @@
     <p:sldMasterId id="2147483648" r:id="rId1"/>
   </p:sldMasterIdLst>
   <p:notesMasterIdLst>
-    <p:notesMasterId r:id="rId24"/>
+    <p:notesMasterId r:id="rId40"/>
   </p:notesMasterIdLst>
   <p:sldIdLst>
     <p:sldId id="256" r:id="rId2"/>
@@ -27,9 +27,25 @@
     <p:sldId id="276" r:id="rId18"/>
     <p:sldId id="277" r:id="rId19"/>
     <p:sldId id="258" r:id="rId20"/>
-    <p:sldId id="260" r:id="rId21"/>
-    <p:sldId id="261" r:id="rId22"/>
-    <p:sldId id="262" r:id="rId23"/>
+    <p:sldId id="262" r:id="rId21"/>
+    <p:sldId id="296" r:id="rId22"/>
+    <p:sldId id="280" r:id="rId23"/>
+    <p:sldId id="278" r:id="rId24"/>
+    <p:sldId id="281" r:id="rId25"/>
+    <p:sldId id="284" r:id="rId26"/>
+    <p:sldId id="285" r:id="rId27"/>
+    <p:sldId id="283" r:id="rId28"/>
+    <p:sldId id="286" r:id="rId29"/>
+    <p:sldId id="287" r:id="rId30"/>
+    <p:sldId id="288" r:id="rId31"/>
+    <p:sldId id="289" r:id="rId32"/>
+    <p:sldId id="290" r:id="rId33"/>
+    <p:sldId id="292" r:id="rId34"/>
+    <p:sldId id="293" r:id="rId35"/>
+    <p:sldId id="294" r:id="rId36"/>
+    <p:sldId id="295" r:id="rId37"/>
+    <p:sldId id="260" r:id="rId38"/>
+    <p:sldId id="261" r:id="rId39"/>
   </p:sldIdLst>
   <p:sldSz cx="12192000" cy="6858000"/>
   <p:notesSz cx="6858000" cy="9144000"/>
@@ -218,7 +234,7 @@
           <a:p>
             <a:fld id="{D229089F-3C36-483A-93C2-7E2815E5D264}" type="datetimeFigureOut">
               <a:rPr lang="zh-CN" altLang="en-US" smtClean="0"/>
-              <a:t>2020/1/10</a:t>
+              <a:t>2020/1/14</a:t>
             </a:fld>
             <a:endParaRPr lang="zh-CN" altLang="en-US"/>
           </a:p>
@@ -716,7 +732,7 @@
           <a:p>
             <a:fld id="{9F76CD31-0A53-4CCD-82C2-3EC3A0654040}" type="datetimeFigureOut">
               <a:rPr lang="zh-CN" altLang="en-US" smtClean="0"/>
-              <a:t>2020/1/10</a:t>
+              <a:t>2020/1/14</a:t>
             </a:fld>
             <a:endParaRPr lang="zh-CN" altLang="en-US"/>
           </a:p>
@@ -914,7 +930,7 @@
           <a:p>
             <a:fld id="{9F76CD31-0A53-4CCD-82C2-3EC3A0654040}" type="datetimeFigureOut">
               <a:rPr lang="zh-CN" altLang="en-US" smtClean="0"/>
-              <a:t>2020/1/10</a:t>
+              <a:t>2020/1/14</a:t>
             </a:fld>
             <a:endParaRPr lang="zh-CN" altLang="en-US"/>
           </a:p>
@@ -1122,7 +1138,7 @@
           <a:p>
             <a:fld id="{9F76CD31-0A53-4CCD-82C2-3EC3A0654040}" type="datetimeFigureOut">
               <a:rPr lang="zh-CN" altLang="en-US" smtClean="0"/>
-              <a:t>2020/1/10</a:t>
+              <a:t>2020/1/14</a:t>
             </a:fld>
             <a:endParaRPr lang="zh-CN" altLang="en-US"/>
           </a:p>
@@ -1352,7 +1368,7 @@
           <a:p>
             <a:fld id="{9F76CD31-0A53-4CCD-82C2-3EC3A0654040}" type="datetimeFigureOut">
               <a:rPr lang="zh-CN" altLang="en-US" smtClean="0"/>
-              <a:t>2020/1/10</a:t>
+              <a:t>2020/1/14</a:t>
             </a:fld>
             <a:endParaRPr lang="zh-CN" altLang="en-US"/>
           </a:p>
@@ -1627,7 +1643,7 @@
           <a:p>
             <a:fld id="{9F76CD31-0A53-4CCD-82C2-3EC3A0654040}" type="datetimeFigureOut">
               <a:rPr lang="zh-CN" altLang="en-US" smtClean="0"/>
-              <a:t>2020/1/10</a:t>
+              <a:t>2020/1/14</a:t>
             </a:fld>
             <a:endParaRPr lang="zh-CN" altLang="en-US"/>
           </a:p>
@@ -1892,7 +1908,7 @@
           <a:p>
             <a:fld id="{9F76CD31-0A53-4CCD-82C2-3EC3A0654040}" type="datetimeFigureOut">
               <a:rPr lang="zh-CN" altLang="en-US" smtClean="0"/>
-              <a:t>2020/1/10</a:t>
+              <a:t>2020/1/14</a:t>
             </a:fld>
             <a:endParaRPr lang="zh-CN" altLang="en-US"/>
           </a:p>
@@ -2304,7 +2320,7 @@
           <a:p>
             <a:fld id="{9F76CD31-0A53-4CCD-82C2-3EC3A0654040}" type="datetimeFigureOut">
               <a:rPr lang="zh-CN" altLang="en-US" smtClean="0"/>
-              <a:t>2020/1/10</a:t>
+              <a:t>2020/1/14</a:t>
             </a:fld>
             <a:endParaRPr lang="zh-CN" altLang="en-US"/>
           </a:p>
@@ -2456,7 +2472,7 @@
           <a:p>
             <a:fld id="{9F76CD31-0A53-4CCD-82C2-3EC3A0654040}" type="datetimeFigureOut">
               <a:rPr lang="zh-CN" altLang="en-US" smtClean="0"/>
-              <a:t>2020/1/10</a:t>
+              <a:t>2020/1/14</a:t>
             </a:fld>
             <a:endParaRPr lang="zh-CN" altLang="en-US"/>
           </a:p>
@@ -2569,7 +2585,7 @@
           <a:p>
             <a:fld id="{9F76CD31-0A53-4CCD-82C2-3EC3A0654040}" type="datetimeFigureOut">
               <a:rPr lang="zh-CN" altLang="en-US" smtClean="0"/>
-              <a:t>2020/1/10</a:t>
+              <a:t>2020/1/14</a:t>
             </a:fld>
             <a:endParaRPr lang="zh-CN" altLang="en-US"/>
           </a:p>
@@ -2880,7 +2896,7 @@
           <a:p>
             <a:fld id="{9F76CD31-0A53-4CCD-82C2-3EC3A0654040}" type="datetimeFigureOut">
               <a:rPr lang="zh-CN" altLang="en-US" smtClean="0"/>
-              <a:t>2020/1/10</a:t>
+              <a:t>2020/1/14</a:t>
             </a:fld>
             <a:endParaRPr lang="zh-CN" altLang="en-US"/>
           </a:p>
@@ -3168,7 +3184,7 @@
           <a:p>
             <a:fld id="{9F76CD31-0A53-4CCD-82C2-3EC3A0654040}" type="datetimeFigureOut">
               <a:rPr lang="zh-CN" altLang="en-US" smtClean="0"/>
-              <a:t>2020/1/10</a:t>
+              <a:t>2020/1/14</a:t>
             </a:fld>
             <a:endParaRPr lang="zh-CN" altLang="en-US"/>
           </a:p>
@@ -3409,7 +3425,7 @@
           <a:p>
             <a:fld id="{9F76CD31-0A53-4CCD-82C2-3EC3A0654040}" type="datetimeFigureOut">
               <a:rPr lang="zh-CN" altLang="en-US" smtClean="0"/>
-              <a:t>2020/1/10</a:t>
+              <a:t>2020/1/14</a:t>
             </a:fld>
             <a:endParaRPr lang="zh-CN" altLang="en-US"/>
           </a:p>
@@ -5588,7 +5604,86 @@
             <a:spLocks noGrp="1"/>
           </p:cNvSpPr>
           <p:nvPr>
-            <p:ph idx="1"/>
+            <p:ph sz="half" idx="1"/>
+          </p:nvPr>
+        </p:nvSpPr>
+        <p:spPr/>
+        <p:txBody>
+          <a:bodyPr/>
+          <a:lstStyle/>
+          <a:p>
+            <a:r>
+              <a:rPr lang="zh-CN" altLang="en-US"/>
+              <a:t>计算图</a:t>
+            </a:r>
+            <a:endParaRPr lang="en-US" altLang="zh-CN"/>
+          </a:p>
+          <a:p>
+            <a:r>
+              <a:rPr lang="zh-CN" altLang="en-US"/>
+              <a:t>张量（符号变量）</a:t>
+            </a:r>
+            <a:endParaRPr lang="en-US" altLang="zh-CN"/>
+          </a:p>
+          <a:p>
+            <a:r>
+              <a:rPr lang="zh-CN" altLang="en-US"/>
+              <a:t>显示计算图</a:t>
+            </a:r>
+            <a:endParaRPr lang="en-US" altLang="zh-CN"/>
+          </a:p>
+          <a:p>
+            <a:r>
+              <a:rPr lang="zh-CN" altLang="en-US"/>
+              <a:t>创建函数、编译为</a:t>
+            </a:r>
+            <a:r>
+              <a:rPr lang="en-US" altLang="zh-CN"/>
+              <a:t>C</a:t>
+            </a:r>
+            <a:r>
+              <a:rPr lang="zh-CN" altLang="en-US"/>
+              <a:t>代码，执行计算图</a:t>
+            </a:r>
+            <a:endParaRPr lang="en-US" altLang="zh-CN"/>
+          </a:p>
+          <a:p>
+            <a:r>
+              <a:rPr lang="zh-CN" altLang="en-US"/>
+              <a:t>创建函数、编译为</a:t>
+            </a:r>
+            <a:r>
+              <a:rPr lang="en-US" altLang="zh-CN"/>
+              <a:t>C</a:t>
+            </a:r>
+            <a:r>
+              <a:rPr lang="zh-CN" altLang="en-US"/>
+              <a:t>代码、执行计算图</a:t>
+            </a:r>
+            <a:endParaRPr lang="en-US" altLang="zh-CN"/>
+          </a:p>
+          <a:p>
+            <a:r>
+              <a:rPr lang="zh-CN" altLang="en-US"/>
+              <a:t>代数运算</a:t>
+            </a:r>
+          </a:p>
+        </p:txBody>
+      </p:sp>
+      <p:sp>
+        <p:nvSpPr>
+          <p:cNvPr id="4" name="内容占位符 3">
+            <a:extLst>
+              <a:ext uri="{FF2B5EF4-FFF2-40B4-BE49-F238E27FC236}">
+                <a16:creationId xmlns:a16="http://schemas.microsoft.com/office/drawing/2014/main" id="{08914025-9694-4ACC-A8A7-B60B4F0897CA}"/>
+              </a:ext>
+            </a:extLst>
+          </p:cNvPr>
+          <p:cNvSpPr>
+            <a:spLocks noGrp="1"/>
+          </p:cNvSpPr>
+          <p:nvPr>
+            <p:ph sz="half" idx="2"/>
           </p:nvPr>
         </p:nvSpPr>
         <p:spPr/>
@@ -5671,7 +5766,7 @@
             <a:spLocks noGrp="1"/>
           </p:cNvSpPr>
           <p:nvPr>
-            <p:ph idx="1"/>
+            <p:ph sz="half" idx="1"/>
           </p:nvPr>
         </p:nvSpPr>
         <p:spPr/>
@@ -5691,11 +5786,15 @@
           </a:p>
           <a:p>
             <a:r>
-              <a:rPr lang="en-US" altLang="zh-CN"/>
+              <a:rPr lang="en-US" altLang="zh-CN">
+                <a:hlinkClick r:id="rId2" action="ppaction://hlinksldjump"/>
+              </a:rPr>
               <a:t>theano</a:t>
             </a:r>
             <a:r>
-              <a:rPr lang="zh-CN" altLang="en-US"/>
+              <a:rPr lang="zh-CN" altLang="en-US">
+                <a:hlinkClick r:id="rId2" action="ppaction://hlinksldjump"/>
+              </a:rPr>
               <a:t>基础</a:t>
             </a:r>
             <a:endParaRPr lang="en-US" altLang="zh-CN"/>
@@ -5711,6 +5810,31 @@
             </a:r>
             <a:endParaRPr lang="en-US" altLang="zh-CN"/>
           </a:p>
+          <a:p>
+            <a:endParaRPr lang="zh-CN" altLang="en-US"/>
+          </a:p>
+        </p:txBody>
+      </p:sp>
+      <p:sp>
+        <p:nvSpPr>
+          <p:cNvPr id="4" name="内容占位符 3">
+            <a:extLst>
+              <a:ext uri="{FF2B5EF4-FFF2-40B4-BE49-F238E27FC236}">
+                <a16:creationId xmlns:a16="http://schemas.microsoft.com/office/drawing/2014/main" id="{102F3813-D548-476B-9604-E5AA26D9B3CC}"/>
+              </a:ext>
+            </a:extLst>
+          </p:cNvPr>
+          <p:cNvSpPr>
+            <a:spLocks noGrp="1"/>
+          </p:cNvSpPr>
+          <p:nvPr>
+            <p:ph sz="half" idx="2"/>
+          </p:nvPr>
+        </p:nvSpPr>
+        <p:spPr/>
+        <p:txBody>
+          <a:bodyPr/>
+          <a:lstStyle/>
           <a:p>
             <a:endParaRPr lang="zh-CN" altLang="en-US"/>
           </a:p>
@@ -5751,7 +5875,7 @@
           <p:cNvPr id="2" name="标题 1">
             <a:extLst>
               <a:ext uri="{FF2B5EF4-FFF2-40B4-BE49-F238E27FC236}">
-                <a16:creationId xmlns:a16="http://schemas.microsoft.com/office/drawing/2014/main" id="{12F7B7C3-3950-4DEF-8F2A-EB4D0E3C0565}"/>
+                <a16:creationId xmlns:a16="http://schemas.microsoft.com/office/drawing/2014/main" id="{8196A2A9-4FED-4DB5-AD83-FB4D98EB8F86}"/>
               </a:ext>
             </a:extLst>
           </p:cNvPr>
@@ -5768,8 +5892,12 @@
           <a:lstStyle/>
           <a:p>
             <a:r>
-              <a:rPr lang="zh-CN" altLang="en-US"/>
-              <a:t>自然语言序列</a:t>
+              <a:rPr lang="en-US" altLang="zh-CN"/>
+              <a:t>CPU</a:t>
+            </a:r>
+            <a:r>
+              <a:rPr lang="zh-CN" altLang="en-US"/>
+              <a:t>上的安装与配置</a:t>
             </a:r>
           </a:p>
         </p:txBody>
@@ -5779,7 +5907,7 @@
           <p:cNvPr id="3" name="内容占位符 2">
             <a:extLst>
               <a:ext uri="{FF2B5EF4-FFF2-40B4-BE49-F238E27FC236}">
-                <a16:creationId xmlns:a16="http://schemas.microsoft.com/office/drawing/2014/main" id="{6C730DE9-EB7A-44D1-9BCC-C32C04F2426F}"/>
+                <a16:creationId xmlns:a16="http://schemas.microsoft.com/office/drawing/2014/main" id="{B1B5D529-3BFA-44E1-B4B6-81090F78C987}"/>
               </a:ext>
             </a:extLst>
           </p:cNvPr>
@@ -5796,24 +5924,23 @@
           <a:lstStyle/>
           <a:p>
             <a:r>
-              <a:rPr lang="zh-CN" altLang="en-US"/>
-              <a:t>二位数组</a:t>
-            </a:r>
-            <a:endParaRPr lang="en-US" altLang="zh-CN"/>
-          </a:p>
-          <a:p>
-            <a:pPr lvl="1"/>
-            <a:r>
-              <a:rPr lang="zh-CN" altLang="en-US"/>
-              <a:t>用持续时间和字母向量维度或词汇向量维度表示</a:t>
-            </a:r>
+              <a:rPr lang="en-US" altLang="zh-CN"/>
+              <a:t> import Theano</a:t>
+            </a:r>
+          </a:p>
+          <a:p>
+            <a:r>
+              <a:rPr lang="en-US" altLang="zh-CN"/>
+              <a:t> theano.test()</a:t>
+            </a:r>
+            <a:endParaRPr lang="zh-CN" altLang="en-US"/>
           </a:p>
         </p:txBody>
       </p:sp>
     </p:spTree>
     <p:extLst>
       <p:ext uri="{BB962C8B-B14F-4D97-AF65-F5344CB8AC3E}">
-        <p14:creationId xmlns:p14="http://schemas.microsoft.com/office/powerpoint/2010/main" val="915130824"/>
+        <p14:creationId xmlns:p14="http://schemas.microsoft.com/office/powerpoint/2010/main" val="2069407008"/>
       </p:ext>
     </p:extLst>
   </p:cSld>
@@ -5845,7 +5972,7 @@
           <p:cNvPr id="2" name="标题 1">
             <a:extLst>
               <a:ext uri="{FF2B5EF4-FFF2-40B4-BE49-F238E27FC236}">
-                <a16:creationId xmlns:a16="http://schemas.microsoft.com/office/drawing/2014/main" id="{85BA1140-BB49-4B91-8CC2-49FFF2311528}"/>
+                <a16:creationId xmlns:a16="http://schemas.microsoft.com/office/drawing/2014/main" id="{12F94D89-9AC4-45DB-A114-4489255D62BF}"/>
               </a:ext>
             </a:extLst>
           </p:cNvPr>
@@ -5863,8 +5990,13 @@
           <a:p>
             <a:r>
               <a:rPr lang="zh-CN" altLang="en-US"/>
-              <a:t>张量抽象类</a:t>
-            </a:r>
+              <a:t>安装</a:t>
+            </a:r>
+            <a:r>
+              <a:rPr lang="en-US" altLang="zh-CN"/>
+              <a:t>keras</a:t>
+            </a:r>
+            <a:endParaRPr lang="zh-CN" altLang="en-US"/>
           </a:p>
         </p:txBody>
       </p:sp>
@@ -5873,7 +6005,7 @@
           <p:cNvPr id="3" name="内容占位符 2">
             <a:extLst>
               <a:ext uri="{FF2B5EF4-FFF2-40B4-BE49-F238E27FC236}">
-                <a16:creationId xmlns:a16="http://schemas.microsoft.com/office/drawing/2014/main" id="{8568A679-426A-49A6-B3C7-CAA45BE0573E}"/>
+                <a16:creationId xmlns:a16="http://schemas.microsoft.com/office/drawing/2014/main" id="{0EA7036C-18DE-435E-9500-5CD55ED858B4}"/>
               </a:ext>
             </a:extLst>
           </p:cNvPr>
@@ -5890,16 +6022,85 @@
           <a:lstStyle/>
           <a:p>
             <a:r>
-              <a:rPr lang="zh-CN" altLang="en-US"/>
-              <a:t>在</a:t>
-            </a:r>
-            <a:r>
               <a:rPr lang="en-US" altLang="zh-CN"/>
-              <a:t>theano</a:t>
-            </a:r>
-            <a:r>
-              <a:rPr lang="zh-CN" altLang="en-US"/>
-              <a:t>中，多维数组是通过一个称为张量的抽象类来实现的</a:t>
+              <a:t>pip install keras</a:t>
+            </a:r>
+          </a:p>
+          <a:p>
+            <a:r>
+              <a:rPr lang="zh-CN" altLang="en-US"/>
+              <a:t>编辑</a:t>
+            </a:r>
+            <a:r>
+              <a:rPr lang="en-US" altLang="zh-CN"/>
+              <a:t>~/.keras/keras.json</a:t>
+            </a:r>
+          </a:p>
+          <a:p>
+            <a:endParaRPr lang="zh-CN" altLang="en-US"/>
+          </a:p>
+        </p:txBody>
+      </p:sp>
+      <p:sp>
+        <p:nvSpPr>
+          <p:cNvPr id="4" name="矩形 3">
+            <a:extLst>
+              <a:ext uri="{FF2B5EF4-FFF2-40B4-BE49-F238E27FC236}">
+                <a16:creationId xmlns:a16="http://schemas.microsoft.com/office/drawing/2014/main" id="{F98C38DA-6C36-4D40-9949-4645D7F82F72}"/>
+              </a:ext>
+            </a:extLst>
+          </p:cNvPr>
+          <p:cNvSpPr/>
+          <p:nvPr/>
+        </p:nvSpPr>
+        <p:spPr>
+          <a:xfrm>
+            <a:off x="838200" y="2551837"/>
+            <a:ext cx="6096000" cy="1754326"/>
+          </a:xfrm>
+          <a:prstGeom prst="rect">
+            <a:avLst/>
+          </a:prstGeom>
+        </p:spPr>
+        <p:txBody>
+          <a:bodyPr>
+            <a:spAutoFit/>
+          </a:bodyPr>
+          <a:lstStyle/>
+          <a:p>
+            <a:r>
+              <a:rPr lang="zh-CN" altLang="en-US"/>
+              <a:t>{</a:t>
+            </a:r>
+          </a:p>
+          <a:p>
+            <a:r>
+              <a:rPr lang="zh-CN" altLang="en-US"/>
+              <a:t>    "floatx": "float32",</a:t>
+            </a:r>
+          </a:p>
+          <a:p>
+            <a:r>
+              <a:rPr lang="zh-CN" altLang="en-US"/>
+              <a:t>    "epsilon": 1e-07,</a:t>
+            </a:r>
+          </a:p>
+          <a:p>
+            <a:r>
+              <a:rPr lang="zh-CN" altLang="en-US"/>
+              <a:t>    "backend": "theano",</a:t>
+            </a:r>
+          </a:p>
+          <a:p>
+            <a:r>
+              <a:rPr lang="zh-CN" altLang="en-US"/>
+              <a:t>    "image_data_format": "channels_last"</a:t>
+            </a:r>
+          </a:p>
+          <a:p>
+            <a:r>
+              <a:rPr lang="zh-CN" altLang="en-US"/>
+              <a:t>}</a:t>
             </a:r>
           </a:p>
         </p:txBody>
@@ -5907,7 +6108,7 @@
     </p:spTree>
     <p:extLst>
       <p:ext uri="{BB962C8B-B14F-4D97-AF65-F5344CB8AC3E}">
-        <p14:creationId xmlns:p14="http://schemas.microsoft.com/office/powerpoint/2010/main" val="200896259"/>
+        <p14:creationId xmlns:p14="http://schemas.microsoft.com/office/powerpoint/2010/main" val="856820072"/>
       </p:ext>
     </p:extLst>
   </p:cSld>
@@ -5939,7 +6140,7 @@
           <p:cNvPr id="2" name="标题 1">
             <a:extLst>
               <a:ext uri="{FF2B5EF4-FFF2-40B4-BE49-F238E27FC236}">
-                <a16:creationId xmlns:a16="http://schemas.microsoft.com/office/drawing/2014/main" id="{8196A2A9-4FED-4DB5-AD83-FB4D98EB8F86}"/>
+                <a16:creationId xmlns:a16="http://schemas.microsoft.com/office/drawing/2014/main" id="{3B88C473-38F8-4A21-9B0C-2E295FA7CE7C}"/>
               </a:ext>
             </a:extLst>
           </p:cNvPr>
@@ -5956,12 +6157,8 @@
           <a:lstStyle/>
           <a:p>
             <a:r>
-              <a:rPr lang="en-US" altLang="zh-CN"/>
-              <a:t>CPU</a:t>
-            </a:r>
-            <a:r>
-              <a:rPr lang="zh-CN" altLang="en-US"/>
-              <a:t>上的安装与配置</a:t>
+              <a:rPr lang="zh-CN" altLang="en-US"/>
+              <a:t>计算图</a:t>
             </a:r>
           </a:p>
         </p:txBody>
@@ -5971,7 +6168,7 @@
           <p:cNvPr id="3" name="内容占位符 2">
             <a:extLst>
               <a:ext uri="{FF2B5EF4-FFF2-40B4-BE49-F238E27FC236}">
-                <a16:creationId xmlns:a16="http://schemas.microsoft.com/office/drawing/2014/main" id="{B1B5D529-3BFA-44E1-B4B6-81090F78C987}"/>
+                <a16:creationId xmlns:a16="http://schemas.microsoft.com/office/drawing/2014/main" id="{BBB79E00-DCCD-4916-A2E8-0BDCAFD20BFD}"/>
               </a:ext>
             </a:extLst>
           </p:cNvPr>
@@ -5988,23 +6185,1059 @@
           <a:lstStyle/>
           <a:p>
             <a:r>
-              <a:rPr lang="en-US" altLang="zh-CN"/>
-              <a:t> import Theano</a:t>
-            </a:r>
-          </a:p>
-          <a:p>
-            <a:r>
-              <a:rPr lang="en-US" altLang="zh-CN"/>
-              <a:t> theano.test()</a:t>
-            </a:r>
-            <a:endParaRPr lang="zh-CN" altLang="en-US"/>
+              <a:rPr lang="zh-CN" altLang="en-US"/>
+              <a:t>符号变量和运算操作组成计算图</a:t>
+            </a:r>
           </a:p>
         </p:txBody>
       </p:sp>
     </p:spTree>
     <p:extLst>
       <p:ext uri="{BB962C8B-B14F-4D97-AF65-F5344CB8AC3E}">
-        <p14:creationId xmlns:p14="http://schemas.microsoft.com/office/powerpoint/2010/main" val="2069407008"/>
+        <p14:creationId xmlns:p14="http://schemas.microsoft.com/office/powerpoint/2010/main" val="4037919943"/>
+      </p:ext>
+    </p:extLst>
+  </p:cSld>
+  <p:clrMapOvr>
+    <a:masterClrMapping/>
+  </p:clrMapOvr>
+</p:sld>
+</file>
+
+<file path=ppt/slides/slide23.xml><?xml version="1.0" encoding="utf-8"?>
+<p:sld xmlns:a="http://schemas.openxmlformats.org/drawingml/2006/main" xmlns:r="http://schemas.openxmlformats.org/officeDocument/2006/relationships" xmlns:p="http://schemas.openxmlformats.org/presentationml/2006/main">
+  <p:cSld>
+    <p:spTree>
+      <p:nvGrpSpPr>
+        <p:cNvPr id="1" name=""/>
+        <p:cNvGrpSpPr/>
+        <p:nvPr/>
+      </p:nvGrpSpPr>
+      <p:grpSpPr>
+        <a:xfrm>
+          <a:off x="0" y="0"/>
+          <a:ext cx="0" cy="0"/>
+          <a:chOff x="0" y="0"/>
+          <a:chExt cx="0" cy="0"/>
+        </a:xfrm>
+      </p:grpSpPr>
+      <p:sp>
+        <p:nvSpPr>
+          <p:cNvPr id="2" name="标题 1">
+            <a:extLst>
+              <a:ext uri="{FF2B5EF4-FFF2-40B4-BE49-F238E27FC236}">
+                <a16:creationId xmlns:a16="http://schemas.microsoft.com/office/drawing/2014/main" id="{35C89B44-7BE3-4F5F-B6F6-B0E6AAAE3AB5}"/>
+              </a:ext>
+            </a:extLst>
+          </p:cNvPr>
+          <p:cNvSpPr>
+            <a:spLocks noGrp="1"/>
+          </p:cNvSpPr>
+          <p:nvPr>
+            <p:ph type="title"/>
+          </p:nvPr>
+        </p:nvSpPr>
+        <p:spPr/>
+        <p:txBody>
+          <a:bodyPr/>
+          <a:lstStyle/>
+          <a:p>
+            <a:r>
+              <a:rPr lang="zh-CN" altLang="en-US"/>
+              <a:t>张量（符号变量）</a:t>
+            </a:r>
+          </a:p>
+        </p:txBody>
+      </p:sp>
+      <p:sp>
+        <p:nvSpPr>
+          <p:cNvPr id="3" name="内容占位符 2">
+            <a:extLst>
+              <a:ext uri="{FF2B5EF4-FFF2-40B4-BE49-F238E27FC236}">
+                <a16:creationId xmlns:a16="http://schemas.microsoft.com/office/drawing/2014/main" id="{BBFD541D-89A8-4411-8232-3376744B1B76}"/>
+              </a:ext>
+            </a:extLst>
+          </p:cNvPr>
+          <p:cNvSpPr>
+            <a:spLocks noGrp="1"/>
+          </p:cNvSpPr>
+          <p:nvPr>
+            <p:ph idx="1"/>
+          </p:nvPr>
+        </p:nvSpPr>
+        <p:spPr>
+          <a:xfrm>
+            <a:off x="838200" y="1349406"/>
+            <a:ext cx="10515600" cy="4605615"/>
+          </a:xfrm>
+        </p:spPr>
+        <p:txBody>
+          <a:bodyPr/>
+          <a:lstStyle/>
+          <a:p>
+            <a:r>
+              <a:rPr lang="zh-CN" altLang="en-US"/>
+              <a:t>符号变量的作用如下：</a:t>
+            </a:r>
+            <a:endParaRPr lang="en-US" altLang="zh-CN"/>
+          </a:p>
+          <a:p>
+            <a:pPr lvl="1"/>
+            <a:r>
+              <a:rPr lang="zh-CN" altLang="en-US"/>
+              <a:t>起到占位符的作用，作为构建数值运算（如加法、乘法）计算图的起点：一旦计算图编译完成，在评价过程中接收输入数据流</a:t>
+            </a:r>
+            <a:endParaRPr lang="en-US" altLang="zh-CN"/>
+          </a:p>
+          <a:p>
+            <a:pPr lvl="1"/>
+            <a:r>
+              <a:rPr lang="zh-CN" altLang="en-US"/>
+              <a:t>表示中间结果或输出结果</a:t>
+            </a:r>
+            <a:endParaRPr lang="en-US" altLang="zh-CN"/>
+          </a:p>
+          <a:p>
+            <a:r>
+              <a:rPr lang="zh-CN" altLang="en-US"/>
+              <a:t>符号变量和操作都是计算图的一部分，在</a:t>
+            </a:r>
+            <a:r>
+              <a:rPr lang="en-US" altLang="zh-CN"/>
+              <a:t>CPU</a:t>
+            </a:r>
+            <a:r>
+              <a:rPr lang="zh-CN" altLang="en-US"/>
+              <a:t>或</a:t>
+            </a:r>
+            <a:r>
+              <a:rPr lang="en-US" altLang="zh-CN"/>
+              <a:t>GPU</a:t>
+            </a:r>
+            <a:r>
+              <a:rPr lang="zh-CN" altLang="en-US"/>
+              <a:t>上进行编译以实现快速执行</a:t>
+            </a:r>
+            <a:endParaRPr lang="en-US" altLang="zh-CN"/>
+          </a:p>
+        </p:txBody>
+      </p:sp>
+      <p:graphicFrame>
+        <p:nvGraphicFramePr>
+          <p:cNvPr id="4" name="表格 4">
+            <a:extLst>
+              <a:ext uri="{FF2B5EF4-FFF2-40B4-BE49-F238E27FC236}">
+                <a16:creationId xmlns:a16="http://schemas.microsoft.com/office/drawing/2014/main" id="{45170EF3-A1C5-48AB-8552-083AF85FDB52}"/>
+              </a:ext>
+            </a:extLst>
+          </p:cNvPr>
+          <p:cNvGraphicFramePr>
+            <a:graphicFrameLocks noGrp="1"/>
+          </p:cNvGraphicFramePr>
+          <p:nvPr>
+            <p:extLst>
+              <p:ext uri="{D42A27DB-BD31-4B8C-83A1-F6EECF244321}">
+                <p14:modId xmlns:p14="http://schemas.microsoft.com/office/powerpoint/2010/main" val="269452007"/>
+              </p:ext>
+            </p:extLst>
+          </p:nvPr>
+        </p:nvGraphicFramePr>
+        <p:xfrm>
+          <a:off x="2032000" y="3343304"/>
+          <a:ext cx="8127999" cy="2763370"/>
+        </p:xfrm>
+        <a:graphic>
+          <a:graphicData uri="http://schemas.openxmlformats.org/drawingml/2006/table">
+            <a:tbl>
+              <a:tblPr firstRow="1" bandRow="1">
+                <a:tableStyleId>{5940675A-B579-460E-94D1-54222C63F5DA}</a:tableStyleId>
+              </a:tblPr>
+              <a:tblGrid>
+                <a:gridCol w="2709333">
+                  <a:extLst>
+                    <a:ext uri="{9D8B030D-6E8A-4147-A177-3AD203B41FA5}">
+                      <a16:colId xmlns:a16="http://schemas.microsoft.com/office/drawing/2014/main" val="484715263"/>
+                    </a:ext>
+                  </a:extLst>
+                </a:gridCol>
+                <a:gridCol w="2709333">
+                  <a:extLst>
+                    <a:ext uri="{9D8B030D-6E8A-4147-A177-3AD203B41FA5}">
+                      <a16:colId xmlns:a16="http://schemas.microsoft.com/office/drawing/2014/main" val="2735095554"/>
+                    </a:ext>
+                  </a:extLst>
+                </a:gridCol>
+                <a:gridCol w="2709333">
+                  <a:extLst>
+                    <a:ext uri="{9D8B030D-6E8A-4147-A177-3AD203B41FA5}">
+                      <a16:colId xmlns:a16="http://schemas.microsoft.com/office/drawing/2014/main" val="2192361124"/>
+                    </a:ext>
+                  </a:extLst>
+                </a:gridCol>
+              </a:tblGrid>
+              <a:tr h="329598">
+                <a:tc>
+                  <a:txBody>
+                    <a:bodyPr/>
+                    <a:lstStyle/>
+                    <a:p>
+                      <a:r>
+                        <a:rPr lang="zh-CN" altLang="en-US"/>
+                        <a:t>对象类</a:t>
+                      </a:r>
+                    </a:p>
+                  </a:txBody>
+                  <a:tcPr/>
+                </a:tc>
+                <a:tc>
+                  <a:txBody>
+                    <a:bodyPr/>
+                    <a:lstStyle/>
+                    <a:p>
+                      <a:r>
+                        <a:rPr lang="zh-CN" altLang="en-US"/>
+                        <a:t>维度</a:t>
+                      </a:r>
+                    </a:p>
+                  </a:txBody>
+                  <a:tcPr/>
+                </a:tc>
+                <a:tc>
+                  <a:txBody>
+                    <a:bodyPr/>
+                    <a:lstStyle/>
+                    <a:p>
+                      <a:r>
+                        <a:rPr lang="zh-CN" altLang="en-US"/>
+                        <a:t>示例</a:t>
+                      </a:r>
+                    </a:p>
+                  </a:txBody>
+                  <a:tcPr/>
+                </a:tc>
+                <a:extLst>
+                  <a:ext uri="{0D108BD9-81ED-4DB2-BD59-A6C34878D82A}">
+                    <a16:rowId xmlns:a16="http://schemas.microsoft.com/office/drawing/2014/main" val="832988305"/>
+                  </a:ext>
+                </a:extLst>
+              </a:tr>
+              <a:tr h="329598">
+                <a:tc>
+                  <a:txBody>
+                    <a:bodyPr/>
+                    <a:lstStyle/>
+                    <a:p>
+                      <a:r>
+                        <a:rPr lang="en-US" altLang="zh-CN"/>
+                        <a:t>theano.tensor.scalar</a:t>
+                      </a:r>
+                      <a:endParaRPr lang="zh-CN" altLang="en-US"/>
+                    </a:p>
+                  </a:txBody>
+                  <a:tcPr anchor="ctr"/>
+                </a:tc>
+                <a:tc>
+                  <a:txBody>
+                    <a:bodyPr/>
+                    <a:lstStyle/>
+                    <a:p>
+                      <a:r>
+                        <a:rPr lang="zh-CN" altLang="en-US"/>
+                        <a:t>零维数组</a:t>
+                      </a:r>
+                    </a:p>
+                  </a:txBody>
+                  <a:tcPr anchor="ctr"/>
+                </a:tc>
+                <a:tc>
+                  <a:txBody>
+                    <a:bodyPr/>
+                    <a:lstStyle/>
+                    <a:p>
+                      <a:r>
+                        <a:rPr lang="en-US" altLang="zh-CN"/>
+                        <a:t>1,2,5</a:t>
+                      </a:r>
+                      <a:endParaRPr lang="zh-CN" altLang="en-US"/>
+                    </a:p>
+                  </a:txBody>
+                  <a:tcPr anchor="ctr"/>
+                </a:tc>
+                <a:extLst>
+                  <a:ext uri="{0D108BD9-81ED-4DB2-BD59-A6C34878D82A}">
+                    <a16:rowId xmlns:a16="http://schemas.microsoft.com/office/drawing/2014/main" val="3709369550"/>
+                  </a:ext>
+                </a:extLst>
+              </a:tr>
+              <a:tr h="329598">
+                <a:tc>
+                  <a:txBody>
+                    <a:bodyPr/>
+                    <a:lstStyle/>
+                    <a:p>
+                      <a:r>
+                        <a:rPr lang="en-US" altLang="zh-CN"/>
+                        <a:t>theano.tensor.vector</a:t>
+                      </a:r>
+                      <a:endParaRPr lang="zh-CN" altLang="en-US"/>
+                    </a:p>
+                  </a:txBody>
+                  <a:tcPr anchor="ctr"/>
+                </a:tc>
+                <a:tc>
+                  <a:txBody>
+                    <a:bodyPr/>
+                    <a:lstStyle/>
+                    <a:p>
+                      <a:r>
+                        <a:rPr lang="zh-CN" altLang="en-US"/>
+                        <a:t>一维数组</a:t>
+                      </a:r>
+                    </a:p>
+                  </a:txBody>
+                  <a:tcPr anchor="ctr"/>
+                </a:tc>
+                <a:tc>
+                  <a:txBody>
+                    <a:bodyPr/>
+                    <a:lstStyle/>
+                    <a:p>
+                      <a:r>
+                        <a:rPr lang="en-US" altLang="zh-CN"/>
+                        <a:t>[0,3,20]</a:t>
+                      </a:r>
+                      <a:endParaRPr lang="zh-CN" altLang="en-US"/>
+                    </a:p>
+                  </a:txBody>
+                  <a:tcPr anchor="ctr"/>
+                </a:tc>
+                <a:extLst>
+                  <a:ext uri="{0D108BD9-81ED-4DB2-BD59-A6C34878D82A}">
+                    <a16:rowId xmlns:a16="http://schemas.microsoft.com/office/drawing/2014/main" val="1409974772"/>
+                  </a:ext>
+                </a:extLst>
+              </a:tr>
+              <a:tr h="329598">
+                <a:tc>
+                  <a:txBody>
+                    <a:bodyPr/>
+                    <a:lstStyle/>
+                    <a:p>
+                      <a:r>
+                        <a:rPr lang="en-US" altLang="zh-CN"/>
+                        <a:t>theano.tensor.matrix</a:t>
+                      </a:r>
+                      <a:endParaRPr lang="zh-CN" altLang="en-US"/>
+                    </a:p>
+                  </a:txBody>
+                  <a:tcPr anchor="ctr"/>
+                </a:tc>
+                <a:tc>
+                  <a:txBody>
+                    <a:bodyPr/>
+                    <a:lstStyle/>
+                    <a:p>
+                      <a:r>
+                        <a:rPr lang="zh-CN" altLang="en-US"/>
+                        <a:t>二维数组</a:t>
+                      </a:r>
+                    </a:p>
+                  </a:txBody>
+                  <a:tcPr anchor="ctr"/>
+                </a:tc>
+                <a:tc>
+                  <a:txBody>
+                    <a:bodyPr/>
+                    <a:lstStyle/>
+                    <a:p>
+                      <a:r>
+                        <a:rPr lang="en-US" altLang="zh-CN"/>
+                        <a:t>[[2,3],[1,5]]</a:t>
+                      </a:r>
+                      <a:endParaRPr lang="zh-CN" altLang="en-US"/>
+                    </a:p>
+                  </a:txBody>
+                  <a:tcPr anchor="ctr"/>
+                </a:tc>
+                <a:extLst>
+                  <a:ext uri="{0D108BD9-81ED-4DB2-BD59-A6C34878D82A}">
+                    <a16:rowId xmlns:a16="http://schemas.microsoft.com/office/drawing/2014/main" val="2291020790"/>
+                  </a:ext>
+                </a:extLst>
+              </a:tr>
+              <a:tr h="1300330">
+                <a:tc>
+                  <a:txBody>
+                    <a:bodyPr/>
+                    <a:lstStyle/>
+                    <a:p>
+                      <a:r>
+                        <a:rPr lang="en-US" altLang="zh-CN"/>
+                        <a:t>theano.tensor.tensor3</a:t>
+                      </a:r>
+                      <a:endParaRPr lang="zh-CN" altLang="en-US"/>
+                    </a:p>
+                  </a:txBody>
+                  <a:tcPr anchor="ctr"/>
+                </a:tc>
+                <a:tc>
+                  <a:txBody>
+                    <a:bodyPr/>
+                    <a:lstStyle/>
+                    <a:p>
+                      <a:r>
+                        <a:rPr lang="zh-CN" altLang="en-US"/>
+                        <a:t>三维数组</a:t>
+                      </a:r>
+                    </a:p>
+                  </a:txBody>
+                  <a:tcPr anchor="ctr"/>
+                </a:tc>
+                <a:tc>
+                  <a:txBody>
+                    <a:bodyPr/>
+                    <a:lstStyle/>
+                    <a:p>
+                      <a:r>
+                        <a:rPr lang="en-US" altLang="zh-CN"/>
+                        <a:t>[ [[2,3],</a:t>
+                      </a:r>
+                    </a:p>
+                    <a:p>
+                      <a:r>
+                        <a:rPr lang="en-US" altLang="zh-CN"/>
+                        <a:t>    [1,5]],</a:t>
+                      </a:r>
+                    </a:p>
+                    <a:p>
+                      <a:r>
+                        <a:rPr lang="en-US" altLang="zh-CN"/>
+                        <a:t>   [[1,2],</a:t>
+                      </a:r>
+                    </a:p>
+                    <a:p>
+                      <a:r>
+                        <a:rPr lang="en-US" altLang="zh-CN"/>
+                        <a:t>    [3,4]] ]</a:t>
+                      </a:r>
+                    </a:p>
+                  </a:txBody>
+                  <a:tcPr anchor="ctr"/>
+                </a:tc>
+                <a:extLst>
+                  <a:ext uri="{0D108BD9-81ED-4DB2-BD59-A6C34878D82A}">
+                    <a16:rowId xmlns:a16="http://schemas.microsoft.com/office/drawing/2014/main" val="2717866677"/>
+                  </a:ext>
+                </a:extLst>
+              </a:tr>
+            </a:tbl>
+          </a:graphicData>
+        </a:graphic>
+      </p:graphicFrame>
+      <p:sp>
+        <p:nvSpPr>
+          <p:cNvPr id="5" name="矩形 4">
+            <a:extLst>
+              <a:ext uri="{FF2B5EF4-FFF2-40B4-BE49-F238E27FC236}">
+                <a16:creationId xmlns:a16="http://schemas.microsoft.com/office/drawing/2014/main" id="{3FD2AE71-8AC2-498F-8305-B8011E0BA6F8}"/>
+              </a:ext>
+            </a:extLst>
+          </p:cNvPr>
+          <p:cNvSpPr/>
+          <p:nvPr/>
+        </p:nvSpPr>
+        <p:spPr>
+          <a:xfrm>
+            <a:off x="838200" y="6226270"/>
+            <a:ext cx="10916240" cy="369332"/>
+          </a:xfrm>
+          <a:prstGeom prst="rect">
+            <a:avLst/>
+          </a:prstGeom>
+        </p:spPr>
+        <p:txBody>
+          <a:bodyPr wrap="square">
+            <a:spAutoFit/>
+          </a:bodyPr>
+          <a:lstStyle/>
+          <a:p>
+            <a:r>
+              <a:rPr lang="zh-CN" altLang="en-US"/>
+              <a:t>全部类型</a:t>
+            </a:r>
+            <a:r>
+              <a:rPr lang="en-US" altLang="zh-CN">
+                <a:hlinkClick r:id="rId2"/>
+              </a:rPr>
+              <a:t>http://deeplearning.net/software/theano/library/tensor/basic.html#libdoc-tensor-creation</a:t>
+            </a:r>
+            <a:endParaRPr lang="zh-CN" altLang="en-US"/>
+          </a:p>
+        </p:txBody>
+      </p:sp>
+    </p:spTree>
+    <p:extLst>
+      <p:ext uri="{BB962C8B-B14F-4D97-AF65-F5344CB8AC3E}">
+        <p14:creationId xmlns:p14="http://schemas.microsoft.com/office/powerpoint/2010/main" val="760891355"/>
+      </p:ext>
+    </p:extLst>
+  </p:cSld>
+  <p:clrMapOvr>
+    <a:masterClrMapping/>
+  </p:clrMapOvr>
+</p:sld>
+</file>
+
+<file path=ppt/slides/slide24.xml><?xml version="1.0" encoding="utf-8"?>
+<p:sld xmlns:a="http://schemas.openxmlformats.org/drawingml/2006/main" xmlns:r="http://schemas.openxmlformats.org/officeDocument/2006/relationships" xmlns:p="http://schemas.openxmlformats.org/presentationml/2006/main">
+  <p:cSld>
+    <p:spTree>
+      <p:nvGrpSpPr>
+        <p:cNvPr id="1" name=""/>
+        <p:cNvGrpSpPr/>
+        <p:nvPr/>
+      </p:nvGrpSpPr>
+      <p:grpSpPr>
+        <a:xfrm>
+          <a:off x="0" y="0"/>
+          <a:ext cx="0" cy="0"/>
+          <a:chOff x="0" y="0"/>
+          <a:chExt cx="0" cy="0"/>
+        </a:xfrm>
+      </p:grpSpPr>
+      <p:sp>
+        <p:nvSpPr>
+          <p:cNvPr id="2" name="标题 1">
+            <a:extLst>
+              <a:ext uri="{FF2B5EF4-FFF2-40B4-BE49-F238E27FC236}">
+                <a16:creationId xmlns:a16="http://schemas.microsoft.com/office/drawing/2014/main" id="{6720F3D3-50AC-46C3-9FDF-A5C8178E7396}"/>
+              </a:ext>
+            </a:extLst>
+          </p:cNvPr>
+          <p:cNvSpPr>
+            <a:spLocks noGrp="1"/>
+          </p:cNvSpPr>
+          <p:nvPr>
+            <p:ph type="title"/>
+          </p:nvPr>
+        </p:nvSpPr>
+        <p:spPr/>
+        <p:txBody>
+          <a:bodyPr/>
+          <a:lstStyle/>
+          <a:p>
+            <a:r>
+              <a:rPr lang="zh-CN" altLang="en-US"/>
+              <a:t>显示计算图</a:t>
+            </a:r>
+          </a:p>
+        </p:txBody>
+      </p:sp>
+      <p:sp>
+        <p:nvSpPr>
+          <p:cNvPr id="3" name="内容占位符 2">
+            <a:extLst>
+              <a:ext uri="{FF2B5EF4-FFF2-40B4-BE49-F238E27FC236}">
+                <a16:creationId xmlns:a16="http://schemas.microsoft.com/office/drawing/2014/main" id="{D8716589-FFE0-4A19-BCB4-6545B2271FDC}"/>
+              </a:ext>
+            </a:extLst>
+          </p:cNvPr>
+          <p:cNvSpPr>
+            <a:spLocks noGrp="1"/>
+          </p:cNvSpPr>
+          <p:nvPr>
+            <p:ph idx="1"/>
+          </p:nvPr>
+        </p:nvSpPr>
+        <p:spPr/>
+        <p:txBody>
+          <a:bodyPr/>
+          <a:lstStyle/>
+          <a:p>
+            <a:r>
+              <a:rPr lang="en-US" altLang="zh-CN"/>
+              <a:t>theano.pp(z) </a:t>
+            </a:r>
+            <a:r>
+              <a:rPr lang="zh-CN" altLang="en-US"/>
+              <a:t>显示表达式的计算图</a:t>
+            </a:r>
+            <a:endParaRPr lang="en-US" altLang="zh-CN"/>
+          </a:p>
+          <a:p>
+            <a:r>
+              <a:rPr lang="en-US" altLang="zh-CN"/>
+              <a:t>theano.printing.pprint(z) </a:t>
+            </a:r>
+            <a:r>
+              <a:rPr lang="zh-CN" altLang="en-US"/>
+              <a:t>显示表达式的计算图</a:t>
+            </a:r>
+            <a:endParaRPr lang="en-US" altLang="zh-CN"/>
+          </a:p>
+          <a:p>
+            <a:r>
+              <a:rPr lang="en-US" altLang="zh-CN"/>
+              <a:t>theano.printing.debugprint(z) </a:t>
+            </a:r>
+            <a:r>
+              <a:rPr lang="zh-CN" altLang="en-US"/>
+              <a:t>显示编译前或编译后的表达式</a:t>
+            </a:r>
+          </a:p>
+          <a:p>
+            <a:r>
+              <a:rPr lang="en-US" altLang="zh-CN"/>
+              <a:t>theano.printing.pydotprint(z) </a:t>
+            </a:r>
+            <a:r>
+              <a:rPr lang="zh-CN" altLang="en-US"/>
+              <a:t>显示图形的计算图</a:t>
+            </a:r>
+            <a:endParaRPr lang="en-US" altLang="zh-CN"/>
+          </a:p>
+          <a:p>
+            <a:r>
+              <a:rPr lang="en-US" altLang="zh-CN"/>
+              <a:t>theano.printing.pydotprint(z) </a:t>
+            </a:r>
+            <a:r>
+              <a:rPr lang="zh-CN" altLang="en-US"/>
+              <a:t>显示图形的计算图</a:t>
+            </a:r>
+          </a:p>
+          <a:p>
+            <a:endParaRPr lang="zh-CN" altLang="en-US"/>
+          </a:p>
+          <a:p>
+            <a:endParaRPr lang="en-US" altLang="zh-CN"/>
+          </a:p>
+        </p:txBody>
+      </p:sp>
+    </p:spTree>
+    <p:extLst>
+      <p:ext uri="{BB962C8B-B14F-4D97-AF65-F5344CB8AC3E}">
+        <p14:creationId xmlns:p14="http://schemas.microsoft.com/office/powerpoint/2010/main" val="2243055436"/>
+      </p:ext>
+    </p:extLst>
+  </p:cSld>
+  <p:clrMapOvr>
+    <a:masterClrMapping/>
+  </p:clrMapOvr>
+</p:sld>
+</file>
+
+<file path=ppt/slides/slide25.xml><?xml version="1.0" encoding="utf-8"?>
+<p:sld xmlns:a="http://schemas.openxmlformats.org/drawingml/2006/main" xmlns:r="http://schemas.openxmlformats.org/officeDocument/2006/relationships" xmlns:p="http://schemas.openxmlformats.org/presentationml/2006/main">
+  <p:cSld>
+    <p:spTree>
+      <p:nvGrpSpPr>
+        <p:cNvPr id="1" name=""/>
+        <p:cNvGrpSpPr/>
+        <p:nvPr/>
+      </p:nvGrpSpPr>
+      <p:grpSpPr>
+        <a:xfrm>
+          <a:off x="0" y="0"/>
+          <a:ext cx="0" cy="0"/>
+          <a:chOff x="0" y="0"/>
+          <a:chExt cx="0" cy="0"/>
+        </a:xfrm>
+      </p:grpSpPr>
+      <p:pic>
+        <p:nvPicPr>
+          <p:cNvPr id="5" name="图片 4">
+            <a:extLst>
+              <a:ext uri="{FF2B5EF4-FFF2-40B4-BE49-F238E27FC236}">
+                <a16:creationId xmlns:a16="http://schemas.microsoft.com/office/drawing/2014/main" id="{821087BD-811E-434E-A205-1B1212FF1786}"/>
+              </a:ext>
+            </a:extLst>
+          </p:cNvPr>
+          <p:cNvPicPr>
+            <a:picLocks noChangeAspect="1"/>
+          </p:cNvPicPr>
+          <p:nvPr/>
+        </p:nvPicPr>
+        <p:blipFill>
+          <a:blip r:embed="rId2"/>
+          <a:stretch>
+            <a:fillRect/>
+          </a:stretch>
+        </p:blipFill>
+        <p:spPr>
+          <a:xfrm>
+            <a:off x="1391998" y="254520"/>
+            <a:ext cx="9408003" cy="6348959"/>
+          </a:xfrm>
+          <a:prstGeom prst="rect">
+            <a:avLst/>
+          </a:prstGeom>
+        </p:spPr>
+      </p:pic>
+    </p:spTree>
+    <p:extLst>
+      <p:ext uri="{BB962C8B-B14F-4D97-AF65-F5344CB8AC3E}">
+        <p14:creationId xmlns:p14="http://schemas.microsoft.com/office/powerpoint/2010/main" val="2150602573"/>
+      </p:ext>
+    </p:extLst>
+  </p:cSld>
+  <p:clrMapOvr>
+    <a:masterClrMapping/>
+  </p:clrMapOvr>
+</p:sld>
+</file>
+
+<file path=ppt/slides/slide26.xml><?xml version="1.0" encoding="utf-8"?>
+<p:sld xmlns:a="http://schemas.openxmlformats.org/drawingml/2006/main" xmlns:r="http://schemas.openxmlformats.org/officeDocument/2006/relationships" xmlns:p="http://schemas.openxmlformats.org/presentationml/2006/main">
+  <p:cSld>
+    <p:spTree>
+      <p:nvGrpSpPr>
+        <p:cNvPr id="1" name=""/>
+        <p:cNvGrpSpPr/>
+        <p:nvPr/>
+      </p:nvGrpSpPr>
+      <p:grpSpPr>
+        <a:xfrm>
+          <a:off x="0" y="0"/>
+          <a:ext cx="0" cy="0"/>
+          <a:chOff x="0" y="0"/>
+          <a:chExt cx="0" cy="0"/>
+        </a:xfrm>
+      </p:grpSpPr>
+      <p:sp>
+        <p:nvSpPr>
+          <p:cNvPr id="4" name="标题 3">
+            <a:extLst>
+              <a:ext uri="{FF2B5EF4-FFF2-40B4-BE49-F238E27FC236}">
+                <a16:creationId xmlns:a16="http://schemas.microsoft.com/office/drawing/2014/main" id="{486B5FDE-50A4-4475-9D8D-37BB3F047726}"/>
+              </a:ext>
+            </a:extLst>
+          </p:cNvPr>
+          <p:cNvSpPr>
+            <a:spLocks noGrp="1"/>
+          </p:cNvSpPr>
+          <p:nvPr>
+            <p:ph type="title"/>
+          </p:nvPr>
+        </p:nvSpPr>
+        <p:spPr/>
+        <p:txBody>
+          <a:bodyPr/>
+          <a:lstStyle/>
+          <a:p>
+            <a:r>
+              <a:rPr lang="zh-CN" altLang="en-US"/>
+              <a:t>显示计算图</a:t>
+            </a:r>
+          </a:p>
+        </p:txBody>
+      </p:sp>
+      <p:pic>
+        <p:nvPicPr>
+          <p:cNvPr id="5" name="图片 4">
+            <a:extLst>
+              <a:ext uri="{FF2B5EF4-FFF2-40B4-BE49-F238E27FC236}">
+                <a16:creationId xmlns:a16="http://schemas.microsoft.com/office/drawing/2014/main" id="{38C762E1-9464-452E-A16C-1EEC96475AAC}"/>
+              </a:ext>
+            </a:extLst>
+          </p:cNvPr>
+          <p:cNvPicPr>
+            <a:picLocks noChangeAspect="1"/>
+          </p:cNvPicPr>
+          <p:nvPr/>
+        </p:nvPicPr>
+        <p:blipFill>
+          <a:blip r:embed="rId2"/>
+          <a:stretch>
+            <a:fillRect/>
+          </a:stretch>
+        </p:blipFill>
+        <p:spPr>
+          <a:xfrm>
+            <a:off x="2592568" y="1850877"/>
+            <a:ext cx="7006864" cy="3156245"/>
+          </a:xfrm>
+          <a:prstGeom prst="rect">
+            <a:avLst/>
+          </a:prstGeom>
+        </p:spPr>
+      </p:pic>
+    </p:spTree>
+    <p:extLst>
+      <p:ext uri="{BB962C8B-B14F-4D97-AF65-F5344CB8AC3E}">
+        <p14:creationId xmlns:p14="http://schemas.microsoft.com/office/powerpoint/2010/main" val="3983447492"/>
+      </p:ext>
+    </p:extLst>
+  </p:cSld>
+  <p:clrMapOvr>
+    <a:masterClrMapping/>
+  </p:clrMapOvr>
+</p:sld>
+</file>
+
+<file path=ppt/slides/slide27.xml><?xml version="1.0" encoding="utf-8"?>
+<p:sld xmlns:a="http://schemas.openxmlformats.org/drawingml/2006/main" xmlns:r="http://schemas.openxmlformats.org/officeDocument/2006/relationships" xmlns:p="http://schemas.openxmlformats.org/presentationml/2006/main">
+  <p:cSld>
+    <p:spTree>
+      <p:nvGrpSpPr>
+        <p:cNvPr id="1" name=""/>
+        <p:cNvGrpSpPr/>
+        <p:nvPr/>
+      </p:nvGrpSpPr>
+      <p:grpSpPr>
+        <a:xfrm>
+          <a:off x="0" y="0"/>
+          <a:ext cx="0" cy="0"/>
+          <a:chOff x="0" y="0"/>
+          <a:chExt cx="0" cy="0"/>
+        </a:xfrm>
+      </p:grpSpPr>
+      <p:sp>
+        <p:nvSpPr>
+          <p:cNvPr id="2" name="标题 1">
+            <a:extLst>
+              <a:ext uri="{FF2B5EF4-FFF2-40B4-BE49-F238E27FC236}">
+                <a16:creationId xmlns:a16="http://schemas.microsoft.com/office/drawing/2014/main" id="{42AB4C4D-142F-4B82-BFBA-92833026BD80}"/>
+              </a:ext>
+            </a:extLst>
+          </p:cNvPr>
+          <p:cNvSpPr>
+            <a:spLocks noGrp="1"/>
+          </p:cNvSpPr>
+          <p:nvPr>
+            <p:ph type="title"/>
+          </p:nvPr>
+        </p:nvSpPr>
+        <p:spPr/>
+        <p:txBody>
+          <a:bodyPr/>
+          <a:lstStyle/>
+          <a:p>
+            <a:r>
+              <a:rPr lang="zh-CN" altLang="en-US"/>
+              <a:t>创建函数、编译为</a:t>
+            </a:r>
+            <a:r>
+              <a:rPr lang="en-US" altLang="zh-CN"/>
+              <a:t>C</a:t>
+            </a:r>
+            <a:r>
+              <a:rPr lang="zh-CN" altLang="en-US"/>
+              <a:t>代码，执行计算图</a:t>
+            </a:r>
+          </a:p>
+        </p:txBody>
+      </p:sp>
+      <p:pic>
+        <p:nvPicPr>
+          <p:cNvPr id="4" name="图片 3">
+            <a:extLst>
+              <a:ext uri="{FF2B5EF4-FFF2-40B4-BE49-F238E27FC236}">
+                <a16:creationId xmlns:a16="http://schemas.microsoft.com/office/drawing/2014/main" id="{F4DCF534-E2DF-4A46-B7A0-C6591543CB27}"/>
+              </a:ext>
+            </a:extLst>
+          </p:cNvPr>
+          <p:cNvPicPr>
+            <a:picLocks noChangeAspect="1"/>
+          </p:cNvPicPr>
+          <p:nvPr/>
+        </p:nvPicPr>
+        <p:blipFill>
+          <a:blip r:embed="rId2"/>
+          <a:stretch>
+            <a:fillRect/>
+          </a:stretch>
+        </p:blipFill>
+        <p:spPr>
+          <a:xfrm>
+            <a:off x="1183064" y="1382868"/>
+            <a:ext cx="9825872" cy="4794266"/>
+          </a:xfrm>
+          <a:prstGeom prst="rect">
+            <a:avLst/>
+          </a:prstGeom>
+        </p:spPr>
+      </p:pic>
+    </p:spTree>
+    <p:extLst>
+      <p:ext uri="{BB962C8B-B14F-4D97-AF65-F5344CB8AC3E}">
+        <p14:creationId xmlns:p14="http://schemas.microsoft.com/office/powerpoint/2010/main" val="2477960342"/>
+      </p:ext>
+    </p:extLst>
+  </p:cSld>
+  <p:clrMapOvr>
+    <a:masterClrMapping/>
+  </p:clrMapOvr>
+</p:sld>
+</file>
+
+<file path=ppt/slides/slide28.xml><?xml version="1.0" encoding="utf-8"?>
+<p:sld xmlns:a="http://schemas.openxmlformats.org/drawingml/2006/main" xmlns:r="http://schemas.openxmlformats.org/officeDocument/2006/relationships" xmlns:p="http://schemas.openxmlformats.org/presentationml/2006/main">
+  <p:cSld>
+    <p:spTree>
+      <p:nvGrpSpPr>
+        <p:cNvPr id="1" name=""/>
+        <p:cNvGrpSpPr/>
+        <p:nvPr/>
+      </p:nvGrpSpPr>
+      <p:grpSpPr>
+        <a:xfrm>
+          <a:off x="0" y="0"/>
+          <a:ext cx="0" cy="0"/>
+          <a:chOff x="0" y="0"/>
+          <a:chExt cx="0" cy="0"/>
+        </a:xfrm>
+      </p:grpSpPr>
+      <p:sp>
+        <p:nvSpPr>
+          <p:cNvPr id="2" name="标题 1">
+            <a:extLst>
+              <a:ext uri="{FF2B5EF4-FFF2-40B4-BE49-F238E27FC236}">
+                <a16:creationId xmlns:a16="http://schemas.microsoft.com/office/drawing/2014/main" id="{A54925FE-CD3F-4C8B-8EC0-28CCA96BB984}"/>
+              </a:ext>
+            </a:extLst>
+          </p:cNvPr>
+          <p:cNvSpPr>
+            <a:spLocks noGrp="1"/>
+          </p:cNvSpPr>
+          <p:nvPr>
+            <p:ph type="title"/>
+          </p:nvPr>
+        </p:nvSpPr>
+        <p:spPr/>
+        <p:txBody>
+          <a:bodyPr/>
+          <a:lstStyle/>
+          <a:p>
+            <a:r>
+              <a:rPr lang="zh-CN" altLang="en-US"/>
+              <a:t>代数</a:t>
+            </a:r>
+          </a:p>
+        </p:txBody>
+      </p:sp>
+      <p:pic>
+        <p:nvPicPr>
+          <p:cNvPr id="3" name="图片 2">
+            <a:extLst>
+              <a:ext uri="{FF2B5EF4-FFF2-40B4-BE49-F238E27FC236}">
+                <a16:creationId xmlns:a16="http://schemas.microsoft.com/office/drawing/2014/main" id="{26CC2149-0012-44C0-B5E7-6D8192F72AFE}"/>
+              </a:ext>
+            </a:extLst>
+          </p:cNvPr>
+          <p:cNvPicPr>
+            <a:picLocks noChangeAspect="1"/>
+          </p:cNvPicPr>
+          <p:nvPr/>
+        </p:nvPicPr>
+        <p:blipFill>
+          <a:blip r:embed="rId2"/>
+          <a:stretch>
+            <a:fillRect/>
+          </a:stretch>
+        </p:blipFill>
+        <p:spPr>
+          <a:xfrm>
+            <a:off x="2366127" y="519458"/>
+            <a:ext cx="7956426" cy="5819084"/>
+          </a:xfrm>
+          <a:prstGeom prst="rect">
+            <a:avLst/>
+          </a:prstGeom>
+        </p:spPr>
+      </p:pic>
+    </p:spTree>
+    <p:extLst>
+      <p:ext uri="{BB962C8B-B14F-4D97-AF65-F5344CB8AC3E}">
+        <p14:creationId xmlns:p14="http://schemas.microsoft.com/office/powerpoint/2010/main" val="3727588203"/>
+      </p:ext>
+    </p:extLst>
+  </p:cSld>
+  <p:clrMapOvr>
+    <a:masterClrMapping/>
+  </p:clrMapOvr>
+</p:sld>
+</file>
+
+<file path=ppt/slides/slide29.xml><?xml version="1.0" encoding="utf-8"?>
+<p:sld xmlns:a="http://schemas.openxmlformats.org/drawingml/2006/main" xmlns:r="http://schemas.openxmlformats.org/officeDocument/2006/relationships" xmlns:p="http://schemas.openxmlformats.org/presentationml/2006/main">
+  <p:cSld>
+    <p:spTree>
+      <p:nvGrpSpPr>
+        <p:cNvPr id="1" name=""/>
+        <p:cNvGrpSpPr/>
+        <p:nvPr/>
+      </p:nvGrpSpPr>
+      <p:grpSpPr>
+        <a:xfrm>
+          <a:off x="0" y="0"/>
+          <a:ext cx="0" cy="0"/>
+          <a:chOff x="0" y="0"/>
+          <a:chExt cx="0" cy="0"/>
+        </a:xfrm>
+      </p:grpSpPr>
+      <p:sp>
+        <p:nvSpPr>
+          <p:cNvPr id="2" name="标题 1">
+            <a:extLst>
+              <a:ext uri="{FF2B5EF4-FFF2-40B4-BE49-F238E27FC236}">
+                <a16:creationId xmlns:a16="http://schemas.microsoft.com/office/drawing/2014/main" id="{91E4F140-35D6-4DA9-8FC0-5B92F02B4220}"/>
+              </a:ext>
+            </a:extLst>
+          </p:cNvPr>
+          <p:cNvSpPr>
+            <a:spLocks noGrp="1"/>
+          </p:cNvSpPr>
+          <p:nvPr>
+            <p:ph type="title"/>
+          </p:nvPr>
+        </p:nvSpPr>
+        <p:spPr/>
+        <p:txBody>
+          <a:bodyPr/>
+          <a:lstStyle/>
+          <a:p>
+            <a:r>
+              <a:rPr lang="zh-CN" altLang="en-US"/>
+              <a:t>张量函数</a:t>
+            </a:r>
+          </a:p>
+        </p:txBody>
+      </p:sp>
+      <p:pic>
+        <p:nvPicPr>
+          <p:cNvPr id="3" name="图片 2">
+            <a:extLst>
+              <a:ext uri="{FF2B5EF4-FFF2-40B4-BE49-F238E27FC236}">
+                <a16:creationId xmlns:a16="http://schemas.microsoft.com/office/drawing/2014/main" id="{84221C07-EBB6-4357-B485-2F5B10D32CF9}"/>
+              </a:ext>
+            </a:extLst>
+          </p:cNvPr>
+          <p:cNvPicPr>
+            <a:picLocks noChangeAspect="1"/>
+          </p:cNvPicPr>
+          <p:nvPr/>
+        </p:nvPicPr>
+        <p:blipFill>
+          <a:blip r:embed="rId2"/>
+          <a:stretch>
+            <a:fillRect/>
+          </a:stretch>
+        </p:blipFill>
+        <p:spPr>
+          <a:xfrm>
+            <a:off x="838200" y="1571251"/>
+            <a:ext cx="10806260" cy="4272941"/>
+          </a:xfrm>
+          <a:prstGeom prst="rect">
+            <a:avLst/>
+          </a:prstGeom>
+        </p:spPr>
+      </p:pic>
+    </p:spTree>
+    <p:extLst>
+      <p:ext uri="{BB962C8B-B14F-4D97-AF65-F5344CB8AC3E}">
+        <p14:creationId xmlns:p14="http://schemas.microsoft.com/office/powerpoint/2010/main" val="327680075"/>
       </p:ext>
     </p:extLst>
   </p:cSld>
@@ -6106,6 +7339,810 @@
     <p:extLst>
       <p:ext uri="{BB962C8B-B14F-4D97-AF65-F5344CB8AC3E}">
         <p14:creationId xmlns:p14="http://schemas.microsoft.com/office/powerpoint/2010/main" val="2874653970"/>
+      </p:ext>
+    </p:extLst>
+  </p:cSld>
+  <p:clrMapOvr>
+    <a:masterClrMapping/>
+  </p:clrMapOvr>
+</p:sld>
+</file>
+
+<file path=ppt/slides/slide30.xml><?xml version="1.0" encoding="utf-8"?>
+<p:sld xmlns:a="http://schemas.openxmlformats.org/drawingml/2006/main" xmlns:r="http://schemas.openxmlformats.org/officeDocument/2006/relationships" xmlns:p="http://schemas.openxmlformats.org/presentationml/2006/main">
+  <p:cSld>
+    <p:spTree>
+      <p:nvGrpSpPr>
+        <p:cNvPr id="1" name=""/>
+        <p:cNvGrpSpPr/>
+        <p:nvPr/>
+      </p:nvGrpSpPr>
+      <p:grpSpPr>
+        <a:xfrm>
+          <a:off x="0" y="0"/>
+          <a:ext cx="0" cy="0"/>
+          <a:chOff x="0" y="0"/>
+          <a:chExt cx="0" cy="0"/>
+        </a:xfrm>
+      </p:grpSpPr>
+      <p:sp>
+        <p:nvSpPr>
+          <p:cNvPr id="2" name="标题 1">
+            <a:extLst>
+              <a:ext uri="{FF2B5EF4-FFF2-40B4-BE49-F238E27FC236}">
+                <a16:creationId xmlns:a16="http://schemas.microsoft.com/office/drawing/2014/main" id="{A44562CB-2A02-4C6B-A546-3BBA36DEF99F}"/>
+              </a:ext>
+            </a:extLst>
+          </p:cNvPr>
+          <p:cNvSpPr>
+            <a:spLocks noGrp="1"/>
+          </p:cNvSpPr>
+          <p:nvPr>
+            <p:ph type="title"/>
+          </p:nvPr>
+        </p:nvSpPr>
+        <p:spPr/>
+        <p:txBody>
+          <a:bodyPr/>
+          <a:lstStyle/>
+          <a:p>
+            <a:r>
+              <a:rPr lang="zh-CN" altLang="en-US"/>
+              <a:t>张量函数</a:t>
+            </a:r>
+          </a:p>
+        </p:txBody>
+      </p:sp>
+      <p:pic>
+        <p:nvPicPr>
+          <p:cNvPr id="3" name="图片 2">
+            <a:extLst>
+              <a:ext uri="{FF2B5EF4-FFF2-40B4-BE49-F238E27FC236}">
+                <a16:creationId xmlns:a16="http://schemas.microsoft.com/office/drawing/2014/main" id="{D1CDEF00-B9E4-4009-A451-8CB0EC9BEA46}"/>
+              </a:ext>
+            </a:extLst>
+          </p:cNvPr>
+          <p:cNvPicPr>
+            <a:picLocks noChangeAspect="1"/>
+          </p:cNvPicPr>
+          <p:nvPr/>
+        </p:nvPicPr>
+        <p:blipFill>
+          <a:blip r:embed="rId2"/>
+          <a:stretch>
+            <a:fillRect/>
+          </a:stretch>
+        </p:blipFill>
+        <p:spPr>
+          <a:xfrm>
+            <a:off x="0" y="1287262"/>
+            <a:ext cx="12192000" cy="5570738"/>
+          </a:xfrm>
+          <a:prstGeom prst="rect">
+            <a:avLst/>
+          </a:prstGeom>
+        </p:spPr>
+      </p:pic>
+    </p:spTree>
+    <p:extLst>
+      <p:ext uri="{BB962C8B-B14F-4D97-AF65-F5344CB8AC3E}">
+        <p14:creationId xmlns:p14="http://schemas.microsoft.com/office/powerpoint/2010/main" val="1725843085"/>
+      </p:ext>
+    </p:extLst>
+  </p:cSld>
+  <p:clrMapOvr>
+    <a:masterClrMapping/>
+  </p:clrMapOvr>
+</p:sld>
+</file>
+
+<file path=ppt/slides/slide31.xml><?xml version="1.0" encoding="utf-8"?>
+<p:sld xmlns:a="http://schemas.openxmlformats.org/drawingml/2006/main" xmlns:r="http://schemas.openxmlformats.org/officeDocument/2006/relationships" xmlns:p="http://schemas.openxmlformats.org/presentationml/2006/main">
+  <p:cSld>
+    <p:spTree>
+      <p:nvGrpSpPr>
+        <p:cNvPr id="1" name=""/>
+        <p:cNvGrpSpPr/>
+        <p:nvPr/>
+      </p:nvGrpSpPr>
+      <p:grpSpPr>
+        <a:xfrm>
+          <a:off x="0" y="0"/>
+          <a:ext cx="0" cy="0"/>
+          <a:chOff x="0" y="0"/>
+          <a:chExt cx="0" cy="0"/>
+        </a:xfrm>
+      </p:grpSpPr>
+      <p:sp>
+        <p:nvSpPr>
+          <p:cNvPr id="2" name="标题 1">
+            <a:extLst>
+              <a:ext uri="{FF2B5EF4-FFF2-40B4-BE49-F238E27FC236}">
+                <a16:creationId xmlns:a16="http://schemas.microsoft.com/office/drawing/2014/main" id="{6D355BF2-4F08-4B4D-AB0C-D789E0482959}"/>
+              </a:ext>
+            </a:extLst>
+          </p:cNvPr>
+          <p:cNvSpPr>
+            <a:spLocks noGrp="1"/>
+          </p:cNvSpPr>
+          <p:nvPr>
+            <p:ph type="title"/>
+          </p:nvPr>
+        </p:nvSpPr>
+        <p:spPr/>
+        <p:txBody>
+          <a:bodyPr/>
+          <a:lstStyle/>
+          <a:p>
+            <a:r>
+              <a:rPr lang="zh-CN" altLang="en-US"/>
+              <a:t>张量函数</a:t>
+            </a:r>
+          </a:p>
+        </p:txBody>
+      </p:sp>
+      <p:pic>
+        <p:nvPicPr>
+          <p:cNvPr id="3" name="图片 2">
+            <a:extLst>
+              <a:ext uri="{FF2B5EF4-FFF2-40B4-BE49-F238E27FC236}">
+                <a16:creationId xmlns:a16="http://schemas.microsoft.com/office/drawing/2014/main" id="{91607C74-C70F-41D2-80E7-9F9F084E7B0A}"/>
+              </a:ext>
+            </a:extLst>
+          </p:cNvPr>
+          <p:cNvPicPr>
+            <a:picLocks noChangeAspect="1"/>
+          </p:cNvPicPr>
+          <p:nvPr/>
+        </p:nvPicPr>
+        <p:blipFill>
+          <a:blip r:embed="rId2"/>
+          <a:stretch>
+            <a:fillRect/>
+          </a:stretch>
+        </p:blipFill>
+        <p:spPr>
+          <a:xfrm>
+            <a:off x="0" y="1287262"/>
+            <a:ext cx="12192000" cy="5570738"/>
+          </a:xfrm>
+          <a:prstGeom prst="rect">
+            <a:avLst/>
+          </a:prstGeom>
+        </p:spPr>
+      </p:pic>
+    </p:spTree>
+    <p:extLst>
+      <p:ext uri="{BB962C8B-B14F-4D97-AF65-F5344CB8AC3E}">
+        <p14:creationId xmlns:p14="http://schemas.microsoft.com/office/powerpoint/2010/main" val="2653350699"/>
+      </p:ext>
+    </p:extLst>
+  </p:cSld>
+  <p:clrMapOvr>
+    <a:masterClrMapping/>
+  </p:clrMapOvr>
+</p:sld>
+</file>
+
+<file path=ppt/slides/slide32.xml><?xml version="1.0" encoding="utf-8"?>
+<p:sld xmlns:a="http://schemas.openxmlformats.org/drawingml/2006/main" xmlns:r="http://schemas.openxmlformats.org/officeDocument/2006/relationships" xmlns:p="http://schemas.openxmlformats.org/presentationml/2006/main">
+  <p:cSld>
+    <p:spTree>
+      <p:nvGrpSpPr>
+        <p:cNvPr id="1" name=""/>
+        <p:cNvGrpSpPr/>
+        <p:nvPr/>
+      </p:nvGrpSpPr>
+      <p:grpSpPr>
+        <a:xfrm>
+          <a:off x="0" y="0"/>
+          <a:ext cx="0" cy="0"/>
+          <a:chOff x="0" y="0"/>
+          <a:chExt cx="0" cy="0"/>
+        </a:xfrm>
+      </p:grpSpPr>
+      <p:sp>
+        <p:nvSpPr>
+          <p:cNvPr id="2" name="标题 1">
+            <a:extLst>
+              <a:ext uri="{FF2B5EF4-FFF2-40B4-BE49-F238E27FC236}">
+                <a16:creationId xmlns:a16="http://schemas.microsoft.com/office/drawing/2014/main" id="{2C2CA25B-E9BC-44FB-BD6F-EA3F523264A9}"/>
+              </a:ext>
+            </a:extLst>
+          </p:cNvPr>
+          <p:cNvSpPr>
+            <a:spLocks noGrp="1"/>
+          </p:cNvSpPr>
+          <p:nvPr>
+            <p:ph type="title"/>
+          </p:nvPr>
+        </p:nvSpPr>
+        <p:spPr/>
+        <p:txBody>
+          <a:bodyPr/>
+          <a:lstStyle/>
+          <a:p>
+            <a:r>
+              <a:rPr lang="zh-CN" altLang="en-US"/>
+              <a:t>共享变量</a:t>
+            </a:r>
+          </a:p>
+        </p:txBody>
+      </p:sp>
+      <p:pic>
+        <p:nvPicPr>
+          <p:cNvPr id="3" name="图片 2">
+            <a:extLst>
+              <a:ext uri="{FF2B5EF4-FFF2-40B4-BE49-F238E27FC236}">
+                <a16:creationId xmlns:a16="http://schemas.microsoft.com/office/drawing/2014/main" id="{ED76FE16-60FD-4A81-9F63-06AE2EBD5B21}"/>
+              </a:ext>
+            </a:extLst>
+          </p:cNvPr>
+          <p:cNvPicPr>
+            <a:picLocks noChangeAspect="1"/>
+          </p:cNvPicPr>
+          <p:nvPr/>
+        </p:nvPicPr>
+        <p:blipFill>
+          <a:blip r:embed="rId2"/>
+          <a:stretch>
+            <a:fillRect/>
+          </a:stretch>
+        </p:blipFill>
+        <p:spPr>
+          <a:xfrm>
+            <a:off x="0" y="1319817"/>
+            <a:ext cx="12192000" cy="4218365"/>
+          </a:xfrm>
+          <a:prstGeom prst="rect">
+            <a:avLst/>
+          </a:prstGeom>
+        </p:spPr>
+      </p:pic>
+    </p:spTree>
+    <p:extLst>
+      <p:ext uri="{BB962C8B-B14F-4D97-AF65-F5344CB8AC3E}">
+        <p14:creationId xmlns:p14="http://schemas.microsoft.com/office/powerpoint/2010/main" val="2536023644"/>
+      </p:ext>
+    </p:extLst>
+  </p:cSld>
+  <p:clrMapOvr>
+    <a:masterClrMapping/>
+  </p:clrMapOvr>
+</p:sld>
+</file>
+
+<file path=ppt/slides/slide33.xml><?xml version="1.0" encoding="utf-8"?>
+<p:sld xmlns:a="http://schemas.openxmlformats.org/drawingml/2006/main" xmlns:r="http://schemas.openxmlformats.org/officeDocument/2006/relationships" xmlns:p="http://schemas.openxmlformats.org/presentationml/2006/main">
+  <p:cSld>
+    <p:spTree>
+      <p:nvGrpSpPr>
+        <p:cNvPr id="1" name=""/>
+        <p:cNvGrpSpPr/>
+        <p:nvPr/>
+      </p:nvGrpSpPr>
+      <p:grpSpPr>
+        <a:xfrm>
+          <a:off x="0" y="0"/>
+          <a:ext cx="0" cy="0"/>
+          <a:chOff x="0" y="0"/>
+          <a:chExt cx="0" cy="0"/>
+        </a:xfrm>
+      </p:grpSpPr>
+      <p:sp>
+        <p:nvSpPr>
+          <p:cNvPr id="2" name="标题 1">
+            <a:extLst>
+              <a:ext uri="{FF2B5EF4-FFF2-40B4-BE49-F238E27FC236}">
+                <a16:creationId xmlns:a16="http://schemas.microsoft.com/office/drawing/2014/main" id="{35B7B13D-0748-447E-AF3D-5880F499779E}"/>
+              </a:ext>
+            </a:extLst>
+          </p:cNvPr>
+          <p:cNvSpPr>
+            <a:spLocks noGrp="1"/>
+          </p:cNvSpPr>
+          <p:nvPr>
+            <p:ph type="title"/>
+          </p:nvPr>
+        </p:nvSpPr>
+        <p:spPr/>
+        <p:txBody>
+          <a:bodyPr/>
+          <a:lstStyle/>
+          <a:p>
+            <a:r>
+              <a:rPr lang="zh-CN" altLang="en-US"/>
+              <a:t>共享变量</a:t>
+            </a:r>
+          </a:p>
+        </p:txBody>
+      </p:sp>
+      <p:pic>
+        <p:nvPicPr>
+          <p:cNvPr id="3" name="图片 2">
+            <a:extLst>
+              <a:ext uri="{FF2B5EF4-FFF2-40B4-BE49-F238E27FC236}">
+                <a16:creationId xmlns:a16="http://schemas.microsoft.com/office/drawing/2014/main" id="{7FBD2280-0FF7-4480-9A64-67E57304562C}"/>
+              </a:ext>
+            </a:extLst>
+          </p:cNvPr>
+          <p:cNvPicPr>
+            <a:picLocks noChangeAspect="1"/>
+          </p:cNvPicPr>
+          <p:nvPr/>
+        </p:nvPicPr>
+        <p:blipFill>
+          <a:blip r:embed="rId2"/>
+          <a:stretch>
+            <a:fillRect/>
+          </a:stretch>
+        </p:blipFill>
+        <p:spPr>
+          <a:xfrm>
+            <a:off x="838200" y="1287262"/>
+            <a:ext cx="7872167" cy="4859014"/>
+          </a:xfrm>
+          <a:prstGeom prst="rect">
+            <a:avLst/>
+          </a:prstGeom>
+        </p:spPr>
+      </p:pic>
+    </p:spTree>
+    <p:extLst>
+      <p:ext uri="{BB962C8B-B14F-4D97-AF65-F5344CB8AC3E}">
+        <p14:creationId xmlns:p14="http://schemas.microsoft.com/office/powerpoint/2010/main" val="202037124"/>
+      </p:ext>
+    </p:extLst>
+  </p:cSld>
+  <p:clrMapOvr>
+    <a:masterClrMapping/>
+  </p:clrMapOvr>
+</p:sld>
+</file>
+
+<file path=ppt/slides/slide34.xml><?xml version="1.0" encoding="utf-8"?>
+<p:sld xmlns:a="http://schemas.openxmlformats.org/drawingml/2006/main" xmlns:r="http://schemas.openxmlformats.org/officeDocument/2006/relationships" xmlns:p="http://schemas.openxmlformats.org/presentationml/2006/main">
+  <p:cSld>
+    <p:spTree>
+      <p:nvGrpSpPr>
+        <p:cNvPr id="1" name=""/>
+        <p:cNvGrpSpPr/>
+        <p:nvPr/>
+      </p:nvGrpSpPr>
+      <p:grpSpPr>
+        <a:xfrm>
+          <a:off x="0" y="0"/>
+          <a:ext cx="0" cy="0"/>
+          <a:chOff x="0" y="0"/>
+          <a:chExt cx="0" cy="0"/>
+        </a:xfrm>
+      </p:grpSpPr>
+      <p:sp>
+        <p:nvSpPr>
+          <p:cNvPr id="2" name="标题 1">
+            <a:extLst>
+              <a:ext uri="{FF2B5EF4-FFF2-40B4-BE49-F238E27FC236}">
+                <a16:creationId xmlns:a16="http://schemas.microsoft.com/office/drawing/2014/main" id="{BBD3D593-D11E-4E94-8851-D6294020DF74}"/>
+              </a:ext>
+            </a:extLst>
+          </p:cNvPr>
+          <p:cNvSpPr>
+            <a:spLocks noGrp="1"/>
+          </p:cNvSpPr>
+          <p:nvPr>
+            <p:ph type="title"/>
+          </p:nvPr>
+        </p:nvSpPr>
+        <p:spPr/>
+        <p:txBody>
+          <a:bodyPr/>
+          <a:lstStyle/>
+          <a:p>
+            <a:r>
+              <a:rPr lang="zh-CN" altLang="en-US"/>
+              <a:t>共享变量</a:t>
+            </a:r>
+          </a:p>
+        </p:txBody>
+      </p:sp>
+      <p:pic>
+        <p:nvPicPr>
+          <p:cNvPr id="3" name="图片 2">
+            <a:extLst>
+              <a:ext uri="{FF2B5EF4-FFF2-40B4-BE49-F238E27FC236}">
+                <a16:creationId xmlns:a16="http://schemas.microsoft.com/office/drawing/2014/main" id="{70173F08-0EE0-4769-9736-2B4A21E6A5BD}"/>
+              </a:ext>
+            </a:extLst>
+          </p:cNvPr>
+          <p:cNvPicPr>
+            <a:picLocks noChangeAspect="1"/>
+          </p:cNvPicPr>
+          <p:nvPr/>
+        </p:nvPicPr>
+        <p:blipFill>
+          <a:blip r:embed="rId2"/>
+          <a:stretch>
+            <a:fillRect/>
+          </a:stretch>
+        </p:blipFill>
+        <p:spPr>
+          <a:xfrm>
+            <a:off x="0" y="1915424"/>
+            <a:ext cx="12192000" cy="3027152"/>
+          </a:xfrm>
+          <a:prstGeom prst="rect">
+            <a:avLst/>
+          </a:prstGeom>
+        </p:spPr>
+      </p:pic>
+    </p:spTree>
+    <p:extLst>
+      <p:ext uri="{BB962C8B-B14F-4D97-AF65-F5344CB8AC3E}">
+        <p14:creationId xmlns:p14="http://schemas.microsoft.com/office/powerpoint/2010/main" val="2210110052"/>
+      </p:ext>
+    </p:extLst>
+  </p:cSld>
+  <p:clrMapOvr>
+    <a:masterClrMapping/>
+  </p:clrMapOvr>
+</p:sld>
+</file>
+
+<file path=ppt/slides/slide35.xml><?xml version="1.0" encoding="utf-8"?>
+<p:sld xmlns:a="http://schemas.openxmlformats.org/drawingml/2006/main" xmlns:r="http://schemas.openxmlformats.org/officeDocument/2006/relationships" xmlns:p="http://schemas.openxmlformats.org/presentationml/2006/main">
+  <p:cSld>
+    <p:spTree>
+      <p:nvGrpSpPr>
+        <p:cNvPr id="1" name=""/>
+        <p:cNvGrpSpPr/>
+        <p:nvPr/>
+      </p:nvGrpSpPr>
+      <p:grpSpPr>
+        <a:xfrm>
+          <a:off x="0" y="0"/>
+          <a:ext cx="0" cy="0"/>
+          <a:chOff x="0" y="0"/>
+          <a:chExt cx="0" cy="0"/>
+        </a:xfrm>
+      </p:grpSpPr>
+      <p:sp>
+        <p:nvSpPr>
+          <p:cNvPr id="2" name="标题 1">
+            <a:extLst>
+              <a:ext uri="{FF2B5EF4-FFF2-40B4-BE49-F238E27FC236}">
+                <a16:creationId xmlns:a16="http://schemas.microsoft.com/office/drawing/2014/main" id="{79A5BA9B-B350-4CB2-81B5-795E2FDCD23C}"/>
+              </a:ext>
+            </a:extLst>
+          </p:cNvPr>
+          <p:cNvSpPr>
+            <a:spLocks noGrp="1"/>
+          </p:cNvSpPr>
+          <p:nvPr>
+            <p:ph type="title"/>
+          </p:nvPr>
+        </p:nvSpPr>
+        <p:spPr/>
+        <p:txBody>
+          <a:bodyPr/>
+          <a:lstStyle/>
+          <a:p>
+            <a:r>
+              <a:rPr lang="zh-CN" altLang="en-US"/>
+              <a:t>共享变量</a:t>
+            </a:r>
+          </a:p>
+        </p:txBody>
+      </p:sp>
+      <p:pic>
+        <p:nvPicPr>
+          <p:cNvPr id="3" name="图片 2">
+            <a:extLst>
+              <a:ext uri="{FF2B5EF4-FFF2-40B4-BE49-F238E27FC236}">
+                <a16:creationId xmlns:a16="http://schemas.microsoft.com/office/drawing/2014/main" id="{DBEF4A59-61A9-460E-8777-E86FB4293FE7}"/>
+              </a:ext>
+            </a:extLst>
+          </p:cNvPr>
+          <p:cNvPicPr>
+            <a:picLocks noChangeAspect="1"/>
+          </p:cNvPicPr>
+          <p:nvPr/>
+        </p:nvPicPr>
+        <p:blipFill>
+          <a:blip r:embed="rId2"/>
+          <a:stretch>
+            <a:fillRect/>
+          </a:stretch>
+        </p:blipFill>
+        <p:spPr>
+          <a:xfrm>
+            <a:off x="0" y="1287262"/>
+            <a:ext cx="12192000" cy="4850133"/>
+          </a:xfrm>
+          <a:prstGeom prst="rect">
+            <a:avLst/>
+          </a:prstGeom>
+        </p:spPr>
+      </p:pic>
+    </p:spTree>
+    <p:extLst>
+      <p:ext uri="{BB962C8B-B14F-4D97-AF65-F5344CB8AC3E}">
+        <p14:creationId xmlns:p14="http://schemas.microsoft.com/office/powerpoint/2010/main" val="1901445712"/>
+      </p:ext>
+    </p:extLst>
+  </p:cSld>
+  <p:clrMapOvr>
+    <a:masterClrMapping/>
+  </p:clrMapOvr>
+</p:sld>
+</file>
+
+<file path=ppt/slides/slide36.xml><?xml version="1.0" encoding="utf-8"?>
+<p:sld xmlns:a="http://schemas.openxmlformats.org/drawingml/2006/main" xmlns:r="http://schemas.openxmlformats.org/officeDocument/2006/relationships" xmlns:p="http://schemas.openxmlformats.org/presentationml/2006/main">
+  <p:cSld>
+    <p:spTree>
+      <p:nvGrpSpPr>
+        <p:cNvPr id="1" name=""/>
+        <p:cNvGrpSpPr/>
+        <p:nvPr/>
+      </p:nvGrpSpPr>
+      <p:grpSpPr>
+        <a:xfrm>
+          <a:off x="0" y="0"/>
+          <a:ext cx="0" cy="0"/>
+          <a:chOff x="0" y="0"/>
+          <a:chExt cx="0" cy="0"/>
+        </a:xfrm>
+      </p:grpSpPr>
+      <p:sp>
+        <p:nvSpPr>
+          <p:cNvPr id="2" name="标题 1">
+            <a:extLst>
+              <a:ext uri="{FF2B5EF4-FFF2-40B4-BE49-F238E27FC236}">
+                <a16:creationId xmlns:a16="http://schemas.microsoft.com/office/drawing/2014/main" id="{223F527E-E0E1-4A06-A322-BECBEF24D605}"/>
+              </a:ext>
+            </a:extLst>
+          </p:cNvPr>
+          <p:cNvSpPr>
+            <a:spLocks noGrp="1"/>
+          </p:cNvSpPr>
+          <p:nvPr>
+            <p:ph type="title"/>
+          </p:nvPr>
+        </p:nvSpPr>
+        <p:spPr/>
+        <p:txBody>
+          <a:bodyPr/>
+          <a:lstStyle/>
+          <a:p>
+            <a:r>
+              <a:rPr lang="zh-CN" altLang="en-US"/>
+              <a:t>复制函数</a:t>
+            </a:r>
+          </a:p>
+        </p:txBody>
+      </p:sp>
+      <p:pic>
+        <p:nvPicPr>
+          <p:cNvPr id="4" name="图片 3">
+            <a:extLst>
+              <a:ext uri="{FF2B5EF4-FFF2-40B4-BE49-F238E27FC236}">
+                <a16:creationId xmlns:a16="http://schemas.microsoft.com/office/drawing/2014/main" id="{3D5C67B2-ED7E-4A7F-9AC5-F0CA4FE073EE}"/>
+              </a:ext>
+            </a:extLst>
+          </p:cNvPr>
+          <p:cNvPicPr>
+            <a:picLocks noChangeAspect="1"/>
+          </p:cNvPicPr>
+          <p:nvPr/>
+        </p:nvPicPr>
+        <p:blipFill>
+          <a:blip r:embed="rId2"/>
+          <a:stretch>
+            <a:fillRect/>
+          </a:stretch>
+        </p:blipFill>
+        <p:spPr>
+          <a:xfrm>
+            <a:off x="685135" y="1287262"/>
+            <a:ext cx="10821730" cy="5349208"/>
+          </a:xfrm>
+          <a:prstGeom prst="rect">
+            <a:avLst/>
+          </a:prstGeom>
+        </p:spPr>
+      </p:pic>
+    </p:spTree>
+    <p:extLst>
+      <p:ext uri="{BB962C8B-B14F-4D97-AF65-F5344CB8AC3E}">
+        <p14:creationId xmlns:p14="http://schemas.microsoft.com/office/powerpoint/2010/main" val="3998562627"/>
+      </p:ext>
+    </p:extLst>
+  </p:cSld>
+  <p:clrMapOvr>
+    <a:masterClrMapping/>
+  </p:clrMapOvr>
+</p:sld>
+</file>
+
+<file path=ppt/slides/slide37.xml><?xml version="1.0" encoding="utf-8"?>
+<p:sld xmlns:a="http://schemas.openxmlformats.org/drawingml/2006/main" xmlns:r="http://schemas.openxmlformats.org/officeDocument/2006/relationships" xmlns:p="http://schemas.openxmlformats.org/presentationml/2006/main">
+  <p:cSld>
+    <p:spTree>
+      <p:nvGrpSpPr>
+        <p:cNvPr id="1" name=""/>
+        <p:cNvGrpSpPr/>
+        <p:nvPr/>
+      </p:nvGrpSpPr>
+      <p:grpSpPr>
+        <a:xfrm>
+          <a:off x="0" y="0"/>
+          <a:ext cx="0" cy="0"/>
+          <a:chOff x="0" y="0"/>
+          <a:chExt cx="0" cy="0"/>
+        </a:xfrm>
+      </p:grpSpPr>
+      <p:sp>
+        <p:nvSpPr>
+          <p:cNvPr id="2" name="标题 1">
+            <a:extLst>
+              <a:ext uri="{FF2B5EF4-FFF2-40B4-BE49-F238E27FC236}">
+                <a16:creationId xmlns:a16="http://schemas.microsoft.com/office/drawing/2014/main" id="{12F7B7C3-3950-4DEF-8F2A-EB4D0E3C0565}"/>
+              </a:ext>
+            </a:extLst>
+          </p:cNvPr>
+          <p:cNvSpPr>
+            <a:spLocks noGrp="1"/>
+          </p:cNvSpPr>
+          <p:nvPr>
+            <p:ph type="title"/>
+          </p:nvPr>
+        </p:nvSpPr>
+        <p:spPr/>
+        <p:txBody>
+          <a:bodyPr/>
+          <a:lstStyle/>
+          <a:p>
+            <a:r>
+              <a:rPr lang="zh-CN" altLang="en-US"/>
+              <a:t>自然语言序列</a:t>
+            </a:r>
+          </a:p>
+        </p:txBody>
+      </p:sp>
+      <p:sp>
+        <p:nvSpPr>
+          <p:cNvPr id="3" name="内容占位符 2">
+            <a:extLst>
+              <a:ext uri="{FF2B5EF4-FFF2-40B4-BE49-F238E27FC236}">
+                <a16:creationId xmlns:a16="http://schemas.microsoft.com/office/drawing/2014/main" id="{6C730DE9-EB7A-44D1-9BCC-C32C04F2426F}"/>
+              </a:ext>
+            </a:extLst>
+          </p:cNvPr>
+          <p:cNvSpPr>
+            <a:spLocks noGrp="1"/>
+          </p:cNvSpPr>
+          <p:nvPr>
+            <p:ph idx="1"/>
+          </p:nvPr>
+        </p:nvSpPr>
+        <p:spPr/>
+        <p:txBody>
+          <a:bodyPr/>
+          <a:lstStyle/>
+          <a:p>
+            <a:r>
+              <a:rPr lang="zh-CN" altLang="en-US"/>
+              <a:t>二维数组</a:t>
+            </a:r>
+            <a:endParaRPr lang="en-US" altLang="zh-CN"/>
+          </a:p>
+          <a:p>
+            <a:pPr lvl="1"/>
+            <a:r>
+              <a:rPr lang="zh-CN" altLang="en-US"/>
+              <a:t>用持续时间和字母向量维度或词汇向量维度表示</a:t>
+            </a:r>
+          </a:p>
+        </p:txBody>
+      </p:sp>
+    </p:spTree>
+    <p:extLst>
+      <p:ext uri="{BB962C8B-B14F-4D97-AF65-F5344CB8AC3E}">
+        <p14:creationId xmlns:p14="http://schemas.microsoft.com/office/powerpoint/2010/main" val="915130824"/>
+      </p:ext>
+    </p:extLst>
+  </p:cSld>
+  <p:clrMapOvr>
+    <a:masterClrMapping/>
+  </p:clrMapOvr>
+</p:sld>
+</file>
+
+<file path=ppt/slides/slide38.xml><?xml version="1.0" encoding="utf-8"?>
+<p:sld xmlns:a="http://schemas.openxmlformats.org/drawingml/2006/main" xmlns:r="http://schemas.openxmlformats.org/officeDocument/2006/relationships" xmlns:p="http://schemas.openxmlformats.org/presentationml/2006/main">
+  <p:cSld>
+    <p:spTree>
+      <p:nvGrpSpPr>
+        <p:cNvPr id="1" name=""/>
+        <p:cNvGrpSpPr/>
+        <p:nvPr/>
+      </p:nvGrpSpPr>
+      <p:grpSpPr>
+        <a:xfrm>
+          <a:off x="0" y="0"/>
+          <a:ext cx="0" cy="0"/>
+          <a:chOff x="0" y="0"/>
+          <a:chExt cx="0" cy="0"/>
+        </a:xfrm>
+      </p:grpSpPr>
+      <p:sp>
+        <p:nvSpPr>
+          <p:cNvPr id="2" name="标题 1">
+            <a:extLst>
+              <a:ext uri="{FF2B5EF4-FFF2-40B4-BE49-F238E27FC236}">
+                <a16:creationId xmlns:a16="http://schemas.microsoft.com/office/drawing/2014/main" id="{85BA1140-BB49-4B91-8CC2-49FFF2311528}"/>
+              </a:ext>
+            </a:extLst>
+          </p:cNvPr>
+          <p:cNvSpPr>
+            <a:spLocks noGrp="1"/>
+          </p:cNvSpPr>
+          <p:nvPr>
+            <p:ph type="title"/>
+          </p:nvPr>
+        </p:nvSpPr>
+        <p:spPr/>
+        <p:txBody>
+          <a:bodyPr/>
+          <a:lstStyle/>
+          <a:p>
+            <a:r>
+              <a:rPr lang="zh-CN" altLang="en-US"/>
+              <a:t>张量抽象类</a:t>
+            </a:r>
+          </a:p>
+        </p:txBody>
+      </p:sp>
+      <p:sp>
+        <p:nvSpPr>
+          <p:cNvPr id="3" name="内容占位符 2">
+            <a:extLst>
+              <a:ext uri="{FF2B5EF4-FFF2-40B4-BE49-F238E27FC236}">
+                <a16:creationId xmlns:a16="http://schemas.microsoft.com/office/drawing/2014/main" id="{8568A679-426A-49A6-B3C7-CAA45BE0573E}"/>
+              </a:ext>
+            </a:extLst>
+          </p:cNvPr>
+          <p:cNvSpPr>
+            <a:spLocks noGrp="1"/>
+          </p:cNvSpPr>
+          <p:nvPr>
+            <p:ph idx="1"/>
+          </p:nvPr>
+        </p:nvSpPr>
+        <p:spPr/>
+        <p:txBody>
+          <a:bodyPr/>
+          <a:lstStyle/>
+          <a:p>
+            <a:r>
+              <a:rPr lang="zh-CN" altLang="en-US"/>
+              <a:t>在</a:t>
+            </a:r>
+            <a:r>
+              <a:rPr lang="en-US" altLang="zh-CN"/>
+              <a:t>theano</a:t>
+            </a:r>
+            <a:r>
+              <a:rPr lang="zh-CN" altLang="en-US"/>
+              <a:t>中，多维数组是通过一个称为张量的抽象类来实现的</a:t>
+            </a:r>
+          </a:p>
+        </p:txBody>
+      </p:sp>
+    </p:spTree>
+    <p:extLst>
+      <p:ext uri="{BB962C8B-B14F-4D97-AF65-F5344CB8AC3E}">
+        <p14:creationId xmlns:p14="http://schemas.microsoft.com/office/powerpoint/2010/main" val="200896259"/>
       </p:ext>
     </p:extLst>
   </p:cSld>
